--- a/PRESENTATIONS/2024-09-tpac/2024-09-27-WoT-TPAC-Opening-McCool.pptx
+++ b/PRESENTATIONS/2024-09-tpac/2024-09-27-WoT-TPAC-Opening-McCool.pptx
@@ -131,7 +131,7 @@
 <file path=ppt/revisionInfo.xml><?xml version="1.0" encoding="utf-8"?>
 <p1510:revInfo xmlns:a="http://schemas.openxmlformats.org/drawingml/2006/main" xmlns:r="http://schemas.openxmlformats.org/officeDocument/2006/relationships" xmlns:p1510="http://schemas.microsoft.com/office/powerpoint/2015/10/main">
   <p1510:revLst>
-    <p1510:client id="{5C9B9FD6-AD70-442E-950E-C609C39292A0}" v="2" dt="2024-09-25T14:03:36.080"/>
+    <p1510:client id="{5C9B9FD6-AD70-442E-950E-C609C39292A0}" v="3" dt="2024-09-26T17:07:09.868"/>
   </p1510:revLst>
 </p1510:revInfo>
 </file>
@@ -141,7 +141,7 @@
   <pc:docChgLst>
     <pc:chgData name="Mccool, Michael" userId="9022b910-48f5-4b36-ad75-783e2c5f7356" providerId="ADAL" clId="{5C9B9FD6-AD70-442E-950E-C609C39292A0}"/>
     <pc:docChg chg="undo custSel modSld">
-      <pc:chgData name="Mccool, Michael" userId="9022b910-48f5-4b36-ad75-783e2c5f7356" providerId="ADAL" clId="{5C9B9FD6-AD70-442E-950E-C609C39292A0}" dt="2024-09-25T14:05:13.554" v="196" actId="5793"/>
+      <pc:chgData name="Mccool, Michael" userId="9022b910-48f5-4b36-ad75-783e2c5f7356" providerId="ADAL" clId="{5C9B9FD6-AD70-442E-950E-C609C39292A0}" dt="2024-09-26T17:07:33.062" v="246" actId="14"/>
       <pc:docMkLst>
         <pc:docMk/>
       </pc:docMkLst>
@@ -165,6 +165,21 @@
             <pc:docMk/>
             <pc:sldMk cId="172328536" sldId="256"/>
             <ac:spMk id="3" creationId="{C0E957DB-7468-C943-8F4B-9FE90A3CB8D2}"/>
+          </ac:spMkLst>
+        </pc:spChg>
+      </pc:sldChg>
+      <pc:sldChg chg="modSp mod">
+        <pc:chgData name="Mccool, Michael" userId="9022b910-48f5-4b36-ad75-783e2c5f7356" providerId="ADAL" clId="{5C9B9FD6-AD70-442E-950E-C609C39292A0}" dt="2024-09-26T17:07:33.062" v="246" actId="14"/>
+        <pc:sldMkLst>
+          <pc:docMk/>
+          <pc:sldMk cId="2239956326" sldId="257"/>
+        </pc:sldMkLst>
+        <pc:spChg chg="mod">
+          <ac:chgData name="Mccool, Michael" userId="9022b910-48f5-4b36-ad75-783e2c5f7356" providerId="ADAL" clId="{5C9B9FD6-AD70-442E-950E-C609C39292A0}" dt="2024-09-26T17:07:33.062" v="246" actId="14"/>
+          <ac:spMkLst>
+            <pc:docMk/>
+            <pc:sldMk cId="2239956326" sldId="257"/>
+            <ac:spMk id="3" creationId="{73D7B15A-EE83-6C46-B3BF-DD4FF849D320}"/>
           </ac:spMkLst>
         </pc:spChg>
       </pc:sldChg>
@@ -278,7 +293,7 @@
           <a:p>
             <a:fld id="{8389B5DD-0274-BF45-B4C5-62E173E8F634}" type="datetimeFigureOut">
               <a:rPr lang="en-US" smtClean="0"/>
-              <a:t>9/25/2024</a:t>
+              <a:t>9/26/2024</a:t>
             </a:fld>
             <a:endParaRPr lang="en-US"/>
           </a:p>
@@ -894,7 +909,7 @@
           <a:p>
             <a:fld id="{2F93E591-CC8D-C74E-8EED-098A7FB5E64D}" type="datetime1">
               <a:rPr lang="en-CA" smtClean="0"/>
-              <a:t>2024-09-25</a:t>
+              <a:t>2024-09-26</a:t>
             </a:fld>
             <a:endParaRPr lang="en-US"/>
           </a:p>
@@ -1162,7 +1177,7 @@
           <a:p>
             <a:fld id="{2E1BC118-574D-594E-ABEA-A7C82666C9AB}" type="datetime1">
               <a:rPr lang="en-CA" smtClean="0"/>
-              <a:t>2024-09-25</a:t>
+              <a:t>2024-09-26</a:t>
             </a:fld>
             <a:endParaRPr lang="en-US"/>
           </a:p>
@@ -1528,7 +1543,7 @@
           <a:p>
             <a:fld id="{B929AB1E-7FD9-0A40-B7C0-508CCACB3E9A}" type="datetime1">
               <a:rPr lang="en-CA" smtClean="0"/>
-              <a:t>2024-09-25</a:t>
+              <a:t>2024-09-26</a:t>
             </a:fld>
             <a:endParaRPr lang="en-US"/>
           </a:p>
@@ -1760,7 +1775,7 @@
           <a:p>
             <a:fld id="{5AE8723F-57EA-4C47-97B9-92AFDEEF85DC}" type="datetime1">
               <a:rPr lang="en-CA" smtClean="0"/>
-              <a:t>2024-09-25</a:t>
+              <a:t>2024-09-26</a:t>
             </a:fld>
             <a:endParaRPr lang="en-US"/>
           </a:p>
@@ -2090,7 +2105,7 @@
           <a:p>
             <a:fld id="{B2B00E5D-EC04-AA49-8D52-0FCB6E08F63D}" type="datetime1">
               <a:rPr lang="en-CA" smtClean="0"/>
-              <a:t>2024-09-25</a:t>
+              <a:t>2024-09-26</a:t>
             </a:fld>
             <a:endParaRPr lang="en-US"/>
           </a:p>
@@ -2563,7 +2578,7 @@
           <a:p>
             <a:fld id="{FF90905C-10FF-8047-AA7E-6DC7E8B6AF51}" type="datetime1">
               <a:rPr lang="en-CA" smtClean="0"/>
-              <a:t>2024-09-25</a:t>
+              <a:t>2024-09-26</a:t>
             </a:fld>
             <a:endParaRPr lang="en-US"/>
           </a:p>
@@ -2769,7 +2784,7 @@
           <a:p>
             <a:fld id="{D1CE86E2-4400-D342-BEEC-F9C1ADF6F9F7}" type="datetime1">
               <a:rPr lang="en-CA" smtClean="0"/>
-              <a:t>2024-09-25</a:t>
+              <a:t>2024-09-26</a:t>
             </a:fld>
             <a:endParaRPr lang="en-US"/>
           </a:p>
@@ -2939,7 +2954,7 @@
           <a:p>
             <a:fld id="{74358A08-7221-7F45-8378-69D5559861DD}" type="datetime1">
               <a:rPr lang="en-CA" smtClean="0"/>
-              <a:t>2024-09-25</a:t>
+              <a:t>2024-09-26</a:t>
             </a:fld>
             <a:endParaRPr lang="en-US"/>
           </a:p>
@@ -3311,7 +3326,7 @@
           <a:p>
             <a:fld id="{08C20FDB-303D-8A4E-83B7-226DD88B97BD}" type="datetime1">
               <a:rPr lang="en-CA" smtClean="0"/>
-              <a:t>2024-09-25</a:t>
+              <a:t>2024-09-26</a:t>
             </a:fld>
             <a:endParaRPr lang="en-US"/>
           </a:p>
@@ -3663,7 +3678,7 @@
           <a:p>
             <a:fld id="{0A9EBA37-9D18-D34A-A88D-1B00AA06E95C}" type="datetime1">
               <a:rPr lang="en-CA" smtClean="0"/>
-              <a:t>2024-09-25</a:t>
+              <a:t>2024-09-26</a:t>
             </a:fld>
             <a:endParaRPr lang="en-US"/>
           </a:p>
@@ -4003,7 +4018,7 @@
             <a:fld id="{B73A2E78-F38A-E046-ACDB-668F070D1EF6}" type="datetime1">
               <a:rPr lang="en-CA" smtClean="0"/>
               <a:pPr/>
-              <a:t>2024-09-25</a:t>
+              <a:t>2024-09-26</a:t>
             </a:fld>
             <a:endParaRPr lang="en-US" dirty="0"/>
           </a:p>
@@ -4564,7 +4579,9 @@
         </p:nvSpPr>
         <p:spPr/>
         <p:txBody>
-          <a:bodyPr/>
+          <a:bodyPr>
+            <a:normAutofit fontScale="92500" lnSpcReduction="10000"/>
+          </a:bodyPr>
           <a:lstStyle/>
           <a:p>
             <a:r>
@@ -4578,9 +4595,12 @@
               <a:rPr lang="en-US" dirty="0">
                 <a:hlinkClick r:id="rId2"/>
               </a:rPr>
-              <a:t>https://www.w3.org/2024/09/TPAC/participation.html</a:t>
-            </a:r>
-            <a:endParaRPr lang="en-US" dirty="0"/>
+              <a:t>https://www.w3.org/policies/code-of-conduct/</a:t>
+            </a:r>
+            <a:r>
+              <a:rPr lang="en-US" dirty="0"/>
+              <a:t> </a:t>
+            </a:r>
           </a:p>
           <a:p>
             <a:pPr lvl="1"/>
@@ -4588,6 +4608,16 @@
               <a:rPr lang="en-US" dirty="0">
                 <a:hlinkClick r:id="rId3"/>
               </a:rPr>
+              <a:t>https://www.w3.org/2024/09/TPAC/participation.html</a:t>
+            </a:r>
+            <a:endParaRPr lang="en-US" dirty="0"/>
+          </a:p>
+          <a:p>
+            <a:pPr lvl="1"/>
+            <a:r>
+              <a:rPr lang="en-US" dirty="0">
+                <a:hlinkClick r:id="rId4"/>
+              </a:rPr>
               <a:t>https://www.w3.org/2024/09/TPAC/health.html</a:t>
             </a:r>
             <a:endParaRPr lang="en-US" dirty="0"/>
@@ -4605,6 +4635,18 @@
               <a:rPr lang="en-US" dirty="0"/>
               <a:t>Respect others’ choices and boundaries</a:t>
             </a:r>
+          </a:p>
+          <a:p>
+            <a:pPr lvl="1"/>
+            <a:r>
+              <a:rPr lang="en-US" dirty="0"/>
+              <a:t>Please speak slowly </a:t>
+            </a:r>
+            <a:r>
+              <a:rPr lang="en-US"/>
+              <a:t>and clearly!</a:t>
+            </a:r>
+            <a:endParaRPr lang="en-US" dirty="0"/>
           </a:p>
           <a:p>
             <a:r>
@@ -4627,7 +4669,7 @@
                 <a:latin typeface="Calibri" panose="020F0502020204030204" pitchFamily="34" charset="0"/>
                 <a:ea typeface="Times New Roman" panose="02020603050405020304" pitchFamily="18" charset="0"/>
                 <a:cs typeface="Times New Roman" panose="02020603050405020304" pitchFamily="18" charset="0"/>
-                <a:hlinkClick r:id="rId4"/>
+                <a:hlinkClick r:id="rId5"/>
               </a:rPr>
               <a:t>https://irc.w3.org/?channels=wot</a:t>
             </a:r>
@@ -4650,7 +4692,7 @@
                 <a:effectLst/>
                 <a:ea typeface="Yu Gothic" panose="020B0400000000000000" pitchFamily="34" charset="-128"/>
                 <a:cs typeface="Times New Roman" panose="02020603050405020304" pitchFamily="18" charset="0"/>
-                <a:hlinkClick r:id="rId5"/>
+                <a:hlinkClick r:id="rId6"/>
               </a:rPr>
               <a:t>https://www.w3.org/events/meetings/09603c14-86e3-4c4a-b66f-37d2df32def5/</a:t>
             </a:r>
@@ -4674,7 +4716,7 @@
             <a:pPr lvl="2"/>
             <a:r>
               <a:rPr lang="en-US" dirty="0">
-                <a:hlinkClick r:id="rId6"/>
+                <a:hlinkClick r:id="rId7"/>
               </a:rPr>
               <a:t>https://www.w3.org/WoT/IG/wiki/Wiki_for_F2F_2024_planning</a:t>
             </a:r>
@@ -4708,7 +4750,7 @@
           <a:p>
             <a:fld id="{BF92DA42-2970-1B4D-9C1F-77F249CD7467}" type="datetime1">
               <a:rPr lang="en-CA" smtClean="0"/>
-              <a:t>2024-09-25</a:t>
+              <a:t>2024-09-26</a:t>
             </a:fld>
             <a:endParaRPr lang="en-US" dirty="0"/>
           </a:p>
@@ -5424,7 +5466,7 @@
           <a:p>
             <a:fld id="{B2B00E5D-EC04-AA49-8D52-0FCB6E08F63D}" type="datetime1">
               <a:rPr lang="en-CA" smtClean="0"/>
-              <a:t>2024-09-25</a:t>
+              <a:t>2024-09-26</a:t>
             </a:fld>
             <a:endParaRPr lang="en-US"/>
           </a:p>

--- a/PRESENTATIONS/2024-09-tpac/2024-09-27-WoT-TPAC-Opening-McCool.pptx
+++ b/PRESENTATIONS/2024-09-tpac/2024-09-27-WoT-TPAC-Opening-McCool.pptx
@@ -141,7 +141,7 @@
   <pc:docChgLst>
     <pc:chgData name="Mccool, Michael" userId="9022b910-48f5-4b36-ad75-783e2c5f7356" providerId="ADAL" clId="{5C9B9FD6-AD70-442E-950E-C609C39292A0}"/>
     <pc:docChg chg="undo custSel modSld">
-      <pc:chgData name="Mccool, Michael" userId="9022b910-48f5-4b36-ad75-783e2c5f7356" providerId="ADAL" clId="{5C9B9FD6-AD70-442E-950E-C609C39292A0}" dt="2024-09-26T17:07:33.062" v="246" actId="14"/>
+      <pc:chgData name="Mccool, Michael" userId="9022b910-48f5-4b36-ad75-783e2c5f7356" providerId="ADAL" clId="{5C9B9FD6-AD70-442E-950E-C609C39292A0}" dt="2024-09-26T19:16:04.457" v="262" actId="5793"/>
       <pc:docMkLst>
         <pc:docMk/>
       </pc:docMkLst>
@@ -184,13 +184,13 @@
         </pc:spChg>
       </pc:sldChg>
       <pc:sldChg chg="modSp mod">
-        <pc:chgData name="Mccool, Michael" userId="9022b910-48f5-4b36-ad75-783e2c5f7356" providerId="ADAL" clId="{5C9B9FD6-AD70-442E-950E-C609C39292A0}" dt="2024-09-25T14:05:13.554" v="196" actId="5793"/>
+        <pc:chgData name="Mccool, Michael" userId="9022b910-48f5-4b36-ad75-783e2c5f7356" providerId="ADAL" clId="{5C9B9FD6-AD70-442E-950E-C609C39292A0}" dt="2024-09-26T19:16:04.457" v="262" actId="5793"/>
         <pc:sldMkLst>
           <pc:docMk/>
           <pc:sldMk cId="2979608870" sldId="258"/>
         </pc:sldMkLst>
         <pc:spChg chg="mod">
-          <ac:chgData name="Mccool, Michael" userId="9022b910-48f5-4b36-ad75-783e2c5f7356" providerId="ADAL" clId="{5C9B9FD6-AD70-442E-950E-C609C39292A0}" dt="2024-09-25T14:04:16.999" v="180" actId="27636"/>
+          <ac:chgData name="Mccool, Michael" userId="9022b910-48f5-4b36-ad75-783e2c5f7356" providerId="ADAL" clId="{5C9B9FD6-AD70-442E-950E-C609C39292A0}" dt="2024-09-26T19:16:04.457" v="262" actId="5793"/>
           <ac:spMkLst>
             <pc:docMk/>
             <pc:sldMk cId="2979608870" sldId="258"/>
@@ -198,7 +198,7 @@
           </ac:spMkLst>
         </pc:spChg>
         <pc:spChg chg="mod">
-          <ac:chgData name="Mccool, Michael" userId="9022b910-48f5-4b36-ad75-783e2c5f7356" providerId="ADAL" clId="{5C9B9FD6-AD70-442E-950E-C609C39292A0}" dt="2024-09-25T14:05:13.554" v="196" actId="5793"/>
+          <ac:chgData name="Mccool, Michael" userId="9022b910-48f5-4b36-ad75-783e2c5f7356" providerId="ADAL" clId="{5C9B9FD6-AD70-442E-950E-C609C39292A0}" dt="2024-09-26T19:15:58.203" v="261" actId="20577"/>
           <ac:spMkLst>
             <pc:docMk/>
             <pc:sldMk cId="2979608870" sldId="258"/>
@@ -4914,7 +4914,9 @@
             </a:r>
           </a:p>
           <a:p>
-            <a:pPr lvl="1"/>
+            <a:pPr marL="457200" lvl="1" indent="0">
+              <a:buNone/>
+            </a:pPr>
             <a:r>
               <a:rPr lang="en-US" i="0" dirty="0">
                 <a:solidFill>
@@ -5007,7 +5009,7 @@
                 <a:ea typeface="Calibri" panose="020F0502020204030204" pitchFamily="34" charset="0"/>
                 <a:cs typeface="Calibri" panose="020F0502020204030204" pitchFamily="34" charset="0"/>
               </a:rPr>
-              <a:t>5m, McCool</a:t>
+              <a:t>5m, Sebastian</a:t>
             </a:r>
             <a:endParaRPr lang="en-US" b="1" i="0" dirty="0">
               <a:solidFill>
@@ -5429,7 +5431,7 @@
                   <a:srgbClr val="FFFFFF"/>
                 </a:highlight>
               </a:rPr>
-              <a:t>5m, Sebastian</a:t>
+              <a:t>5m, McCool</a:t>
             </a:r>
             <a:endParaRPr lang="en-US" b="1" i="0" dirty="0">
               <a:solidFill>
